--- a/lectures/13.Separations.pptx
+++ b/lectures/13.Separations.pptx
@@ -10,22 +10,23 @@
     <p:sldId id="258" r:id="rId4"/>
     <p:sldId id="322" r:id="rId5"/>
     <p:sldId id="323" r:id="rId6"/>
-    <p:sldId id="268" r:id="rId7"/>
-    <p:sldId id="321" r:id="rId8"/>
-    <p:sldId id="287" r:id="rId9"/>
-    <p:sldId id="277" r:id="rId10"/>
-    <p:sldId id="288" r:id="rId11"/>
-    <p:sldId id="289" r:id="rId12"/>
-    <p:sldId id="285" r:id="rId13"/>
-    <p:sldId id="303" r:id="rId14"/>
-    <p:sldId id="306" r:id="rId15"/>
-    <p:sldId id="317" r:id="rId16"/>
-    <p:sldId id="320" r:id="rId17"/>
-    <p:sldId id="308" r:id="rId18"/>
-    <p:sldId id="301" r:id="rId19"/>
-    <p:sldId id="273" r:id="rId20"/>
-    <p:sldId id="274" r:id="rId21"/>
-    <p:sldId id="272" r:id="rId22"/>
+    <p:sldId id="324" r:id="rId7"/>
+    <p:sldId id="268" r:id="rId8"/>
+    <p:sldId id="321" r:id="rId9"/>
+    <p:sldId id="287" r:id="rId10"/>
+    <p:sldId id="277" r:id="rId11"/>
+    <p:sldId id="288" r:id="rId12"/>
+    <p:sldId id="289" r:id="rId13"/>
+    <p:sldId id="285" r:id="rId14"/>
+    <p:sldId id="303" r:id="rId15"/>
+    <p:sldId id="306" r:id="rId16"/>
+    <p:sldId id="317" r:id="rId17"/>
+    <p:sldId id="320" r:id="rId18"/>
+    <p:sldId id="308" r:id="rId19"/>
+    <p:sldId id="301" r:id="rId20"/>
+    <p:sldId id="273" r:id="rId21"/>
+    <p:sldId id="274" r:id="rId22"/>
+    <p:sldId id="272" r:id="rId23"/>
   </p:sldIdLst>
   <p:sldSz cx="12192000" cy="6858000"/>
   <p:notesSz cx="6858000" cy="9144000"/>
@@ -124,13 +125,18 @@
       </a:defRPr>
     </a:lvl9pPr>
   </p:defaultTextStyle>
+  <p:extLst>
+    <p:ext uri="{EFAFB233-063F-42B5-8137-9DF3F51BA10A}">
+      <p15:sldGuideLst xmlns:p15="http://schemas.microsoft.com/office/powerpoint/2012/main"/>
+    </p:ext>
+  </p:extLst>
 </p:presentation>
 </file>
 
 <file path=ppt/revisionInfo.xml><?xml version="1.0" encoding="utf-8"?>
 <p1510:revInfo xmlns:a="http://schemas.openxmlformats.org/drawingml/2006/main" xmlns:r="http://schemas.openxmlformats.org/officeDocument/2006/relationships" xmlns:p1510="http://schemas.microsoft.com/office/powerpoint/2015/10/main">
   <p1510:revLst>
-    <p1510:client id="{9DA96B98-D56F-43A5-93C3-D111F6DEBE3A}" v="112" dt="2022-05-09T04:17:26.835"/>
+    <p1510:client id="{9DA96B98-D56F-43A5-93C3-D111F6DEBE3A}" v="187" dt="2022-05-09T05:18:27.601"/>
   </p1510:revLst>
 </p1510:revInfo>
 </file>
@@ -140,7 +146,7 @@
   <pc:docChgLst>
     <pc:chgData name="Michael MacCoss" userId="afbd1c96-5255-4d89-b6b4-1a00a15797b0" providerId="ADAL" clId="{9DA96B98-D56F-43A5-93C3-D111F6DEBE3A}"/>
     <pc:docChg chg="custSel addSld modSld">
-      <pc:chgData name="Michael MacCoss" userId="afbd1c96-5255-4d89-b6b4-1a00a15797b0" providerId="ADAL" clId="{9DA96B98-D56F-43A5-93C3-D111F6DEBE3A}" dt="2022-05-09T04:31:15.880" v="959" actId="114"/>
+      <pc:chgData name="Michael MacCoss" userId="afbd1c96-5255-4d89-b6b4-1a00a15797b0" providerId="ADAL" clId="{9DA96B98-D56F-43A5-93C3-D111F6DEBE3A}" dt="2022-05-09T05:18:27.601" v="1124" actId="20577"/>
       <pc:docMkLst>
         <pc:docMk/>
       </pc:docMkLst>
@@ -654,7 +660,7 @@
         </pc:cxnChg>
       </pc:sldChg>
       <pc:sldChg chg="addSp delSp modSp new mod modClrScheme chgLayout">
-        <pc:chgData name="Michael MacCoss" userId="afbd1c96-5255-4d89-b6b4-1a00a15797b0" providerId="ADAL" clId="{9DA96B98-D56F-43A5-93C3-D111F6DEBE3A}" dt="2022-05-09T04:27:43.683" v="931" actId="1076"/>
+        <pc:chgData name="Michael MacCoss" userId="afbd1c96-5255-4d89-b6b4-1a00a15797b0" providerId="ADAL" clId="{9DA96B98-D56F-43A5-93C3-D111F6DEBE3A}" dt="2022-05-09T05:06:59.483" v="1003" actId="6549"/>
         <pc:sldMkLst>
           <pc:docMk/>
           <pc:sldMk cId="2604104668" sldId="323"/>
@@ -676,13 +682,76 @@
           </ac:spMkLst>
         </pc:spChg>
         <pc:spChg chg="add mod ord">
-          <ac:chgData name="Michael MacCoss" userId="afbd1c96-5255-4d89-b6b4-1a00a15797b0" providerId="ADAL" clId="{9DA96B98-D56F-43A5-93C3-D111F6DEBE3A}" dt="2022-05-09T04:27:41.020" v="930" actId="1076"/>
+          <ac:chgData name="Michael MacCoss" userId="afbd1c96-5255-4d89-b6b4-1a00a15797b0" providerId="ADAL" clId="{9DA96B98-D56F-43A5-93C3-D111F6DEBE3A}" dt="2022-05-09T05:02:32.229" v="964" actId="1076"/>
           <ac:spMkLst>
             <pc:docMk/>
             <pc:sldMk cId="2604104668" sldId="323"/>
             <ac:spMk id="4" creationId="{F63C04E5-F472-A9CB-E57C-E4382002B2CF}"/>
           </ac:spMkLst>
         </pc:spChg>
+        <pc:spChg chg="add mod">
+          <ac:chgData name="Michael MacCoss" userId="afbd1c96-5255-4d89-b6b4-1a00a15797b0" providerId="ADAL" clId="{9DA96B98-D56F-43A5-93C3-D111F6DEBE3A}" dt="2022-05-09T05:06:59.483" v="1003" actId="6549"/>
+          <ac:spMkLst>
+            <pc:docMk/>
+            <pc:sldMk cId="2604104668" sldId="323"/>
+            <ac:spMk id="5" creationId="{AD8FE05A-41A4-796B-012E-C10CD698912F}"/>
+          </ac:spMkLst>
+        </pc:spChg>
+        <pc:picChg chg="add mod ord">
+          <ac:chgData name="Michael MacCoss" userId="afbd1c96-5255-4d89-b6b4-1a00a15797b0" providerId="ADAL" clId="{9DA96B98-D56F-43A5-93C3-D111F6DEBE3A}" dt="2022-05-09T04:36:06.024" v="963" actId="167"/>
+          <ac:picMkLst>
+            <pc:docMk/>
+            <pc:sldMk cId="2604104668" sldId="323"/>
+            <ac:picMk id="2" creationId="{2AA9581D-9A74-0295-015A-A3B3E5E2B6A6}"/>
+          </ac:picMkLst>
+        </pc:picChg>
+      </pc:sldChg>
+      <pc:sldChg chg="addSp modSp add mod modAnim">
+        <pc:chgData name="Michael MacCoss" userId="afbd1c96-5255-4d89-b6b4-1a00a15797b0" providerId="ADAL" clId="{9DA96B98-D56F-43A5-93C3-D111F6DEBE3A}" dt="2022-05-09T05:18:27.601" v="1124" actId="20577"/>
+        <pc:sldMkLst>
+          <pc:docMk/>
+          <pc:sldMk cId="479973161" sldId="324"/>
+        </pc:sldMkLst>
+        <pc:spChg chg="mod">
+          <ac:chgData name="Michael MacCoss" userId="afbd1c96-5255-4d89-b6b4-1a00a15797b0" providerId="ADAL" clId="{9DA96B98-D56F-43A5-93C3-D111F6DEBE3A}" dt="2022-05-09T05:12:40.357" v="1074" actId="20577"/>
+          <ac:spMkLst>
+            <pc:docMk/>
+            <pc:sldMk cId="479973161" sldId="324"/>
+            <ac:spMk id="4" creationId="{F63C04E5-F472-A9CB-E57C-E4382002B2CF}"/>
+          </ac:spMkLst>
+        </pc:spChg>
+        <pc:spChg chg="mod">
+          <ac:chgData name="Michael MacCoss" userId="afbd1c96-5255-4d89-b6b4-1a00a15797b0" providerId="ADAL" clId="{9DA96B98-D56F-43A5-93C3-D111F6DEBE3A}" dt="2022-05-09T05:17:17.373" v="1108" actId="1076"/>
+          <ac:spMkLst>
+            <pc:docMk/>
+            <pc:sldMk cId="479973161" sldId="324"/>
+            <ac:spMk id="5" creationId="{AD8FE05A-41A4-796B-012E-C10CD698912F}"/>
+          </ac:spMkLst>
+        </pc:spChg>
+        <pc:spChg chg="add mod">
+          <ac:chgData name="Michael MacCoss" userId="afbd1c96-5255-4d89-b6b4-1a00a15797b0" providerId="ADAL" clId="{9DA96B98-D56F-43A5-93C3-D111F6DEBE3A}" dt="2022-05-09T05:18:27.601" v="1124" actId="20577"/>
+          <ac:spMkLst>
+            <pc:docMk/>
+            <pc:sldMk cId="479973161" sldId="324"/>
+            <ac:spMk id="8" creationId="{929B93C9-872D-EE3E-6750-B7BF51E5A869}"/>
+          </ac:spMkLst>
+        </pc:spChg>
+        <pc:picChg chg="mod ord">
+          <ac:chgData name="Michael MacCoss" userId="afbd1c96-5255-4d89-b6b4-1a00a15797b0" providerId="ADAL" clId="{9DA96B98-D56F-43A5-93C3-D111F6DEBE3A}" dt="2022-05-09T05:14:28.901" v="1085" actId="1076"/>
+          <ac:picMkLst>
+            <pc:docMk/>
+            <pc:sldMk cId="479973161" sldId="324"/>
+            <ac:picMk id="2" creationId="{2AA9581D-9A74-0295-015A-A3B3E5E2B6A6}"/>
+          </ac:picMkLst>
+        </pc:picChg>
+        <pc:picChg chg="add mod">
+          <ac:chgData name="Michael MacCoss" userId="afbd1c96-5255-4d89-b6b4-1a00a15797b0" providerId="ADAL" clId="{9DA96B98-D56F-43A5-93C3-D111F6DEBE3A}" dt="2022-05-09T05:14:25.484" v="1084" actId="1076"/>
+          <ac:picMkLst>
+            <pc:docMk/>
+            <pc:sldMk cId="479973161" sldId="324"/>
+            <ac:picMk id="7" creationId="{AA2D9729-CEA2-4DC5-3557-CFA704F7ECC7}"/>
+          </ac:picMkLst>
+        </pc:picChg>
       </pc:sldChg>
     </pc:docChg>
   </pc:docChgLst>
@@ -3968,95 +4037,123 @@
           <a:chExt cx="0" cy="0"/>
         </a:xfrm>
       </p:grpSpPr>
-      <p:sp>
-        <p:nvSpPr>
-          <p:cNvPr id="95234" name="Rectangle 2">
-            <a:extLst>
-              <a:ext uri="{FF2B5EF4-FFF2-40B4-BE49-F238E27FC236}">
-                <a16:creationId xmlns:a16="http://schemas.microsoft.com/office/drawing/2014/main" id="{F188EEC6-D046-639B-02A4-105781F590E6}"/>
-              </a:ext>
-            </a:extLst>
-          </p:cNvPr>
-          <p:cNvSpPr>
-            <a:spLocks noGrp="1" noChangeArrowheads="1"/>
-          </p:cNvSpPr>
-          <p:nvPr>
-            <p:ph type="title"/>
-          </p:nvPr>
-        </p:nvSpPr>
-        <p:spPr/>
-        <p:txBody>
-          <a:bodyPr/>
-          <a:lstStyle/>
-          <a:p>
-            <a:r>
-              <a:rPr lang="en-US" altLang="en-US" dirty="0"/>
-              <a:t>Uses of SDS-PAGE</a:t>
-            </a:r>
-          </a:p>
-        </p:txBody>
-      </p:sp>
-      <p:sp>
-        <p:nvSpPr>
-          <p:cNvPr id="95235" name="Rectangle 3">
-            <a:extLst>
-              <a:ext uri="{FF2B5EF4-FFF2-40B4-BE49-F238E27FC236}">
-                <a16:creationId xmlns:a16="http://schemas.microsoft.com/office/drawing/2014/main" id="{A25643A3-1447-E222-B0F5-446398FDA431}"/>
-              </a:ext>
-            </a:extLst>
-          </p:cNvPr>
-          <p:cNvSpPr>
-            <a:spLocks noGrp="1" noChangeArrowheads="1"/>
-          </p:cNvSpPr>
-          <p:nvPr>
-            <p:ph type="body" idx="1"/>
-          </p:nvPr>
-        </p:nvSpPr>
-        <p:spPr/>
-        <p:txBody>
-          <a:bodyPr>
-            <a:normAutofit/>
-          </a:bodyPr>
-          <a:lstStyle/>
-          <a:p>
-            <a:r>
-              <a:rPr lang="en-US" altLang="en-US" sz="3600" dirty="0"/>
-              <a:t>Determine protein size</a:t>
-            </a:r>
-          </a:p>
-          <a:p>
-            <a:r>
-              <a:rPr lang="en-US" altLang="en-US" sz="3600" dirty="0"/>
-              <a:t>Identify protein</a:t>
-            </a:r>
-          </a:p>
-          <a:p>
-            <a:r>
-              <a:rPr lang="en-US" altLang="en-US" sz="3600" dirty="0"/>
-              <a:t>Determine sample purity</a:t>
-            </a:r>
-          </a:p>
-          <a:p>
-            <a:r>
-              <a:rPr lang="en-US" altLang="en-US" sz="3600" dirty="0"/>
-              <a:t>Identify existence of disulfide bonds</a:t>
-            </a:r>
-          </a:p>
-          <a:p>
-            <a:r>
-              <a:rPr lang="en-US" altLang="en-US" sz="3600" dirty="0"/>
-              <a:t>Quantify amounts of protein</a:t>
-            </a:r>
-          </a:p>
-          <a:p>
-            <a:pPr>
-              <a:buFontTx/>
-              <a:buNone/>
-            </a:pPr>
-            <a:endParaRPr lang="en-US" altLang="en-US" sz="3600" dirty="0"/>
-          </a:p>
-        </p:txBody>
-      </p:sp>
+      <p:pic>
+        <p:nvPicPr>
+          <p:cNvPr id="83971" name="Picture 3">
+            <a:extLst>
+              <a:ext uri="{FF2B5EF4-FFF2-40B4-BE49-F238E27FC236}">
+                <a16:creationId xmlns:a16="http://schemas.microsoft.com/office/drawing/2014/main" id="{264FF4C9-C64C-668B-BCD4-2BBDB1E21B02}"/>
+              </a:ext>
+            </a:extLst>
+          </p:cNvPr>
+          <p:cNvPicPr>
+            <a:picLocks noChangeAspect="1" noChangeArrowheads="1"/>
+          </p:cNvPicPr>
+          <p:nvPr/>
+        </p:nvPicPr>
+        <p:blipFill>
+          <a:blip r:embed="rId2">
+            <a:extLst>
+              <a:ext uri="{28A0092B-C50C-407E-A947-70E740481C1C}">
+                <a14:useLocalDpi xmlns:a14="http://schemas.microsoft.com/office/drawing/2010/main" val="0"/>
+              </a:ext>
+            </a:extLst>
+          </a:blip>
+          <a:srcRect/>
+          <a:stretch>
+            <a:fillRect/>
+          </a:stretch>
+        </p:blipFill>
+        <p:spPr bwMode="auto">
+          <a:xfrm>
+            <a:off x="633663" y="1524001"/>
+            <a:ext cx="6384758" cy="3638683"/>
+          </a:xfrm>
+          <a:prstGeom prst="rect">
+            <a:avLst/>
+          </a:prstGeom>
+          <a:noFill/>
+          <a:ln>
+            <a:noFill/>
+          </a:ln>
+          <a:effectLst/>
+          <a:extLst>
+            <a:ext uri="{909E8E84-426E-40DD-AFC4-6F175D3DCCD1}">
+              <a14:hiddenFill xmlns:a14="http://schemas.microsoft.com/office/drawing/2010/main">
+                <a:solidFill>
+                  <a:schemeClr val="accent1"/>
+                </a:solidFill>
+              </a14:hiddenFill>
+            </a:ext>
+            <a:ext uri="{91240B29-F687-4F45-9708-019B960494DF}">
+              <a14:hiddenLine xmlns:a14="http://schemas.microsoft.com/office/drawing/2010/main" w="9525">
+                <a:solidFill>
+                  <a:schemeClr val="tx1"/>
+                </a:solidFill>
+                <a:miter lim="800000"/>
+                <a:headEnd/>
+                <a:tailEnd/>
+              </a14:hiddenLine>
+            </a:ext>
+            <a:ext uri="{AF507438-7753-43E0-B8FC-AC1667EBCBE1}">
+              <a14:hiddenEffects xmlns:a14="http://schemas.microsoft.com/office/drawing/2010/main">
+                <a:effectLst>
+                  <a:outerShdw dist="35921" dir="2700000" algn="ctr" rotWithShape="0">
+                    <a:schemeClr val="bg2"/>
+                  </a:outerShdw>
+                </a:effectLst>
+              </a14:hiddenEffects>
+            </a:ext>
+          </a:extLst>
+        </p:spPr>
+      </p:pic>
+      <p:pic>
+        <p:nvPicPr>
+          <p:cNvPr id="83972" name="Picture 4">
+            <a:extLst>
+              <a:ext uri="{FF2B5EF4-FFF2-40B4-BE49-F238E27FC236}">
+                <a16:creationId xmlns:a16="http://schemas.microsoft.com/office/drawing/2014/main" id="{FF2A67E8-724A-70BB-93A9-4B67C494EF05}"/>
+              </a:ext>
+            </a:extLst>
+          </p:cNvPr>
+          <p:cNvPicPr>
+            <a:picLocks noChangeAspect="1" noChangeArrowheads="1"/>
+          </p:cNvPicPr>
+          <p:nvPr/>
+        </p:nvPicPr>
+        <p:blipFill>
+          <a:blip r:embed="rId3">
+            <a:extLst>
+              <a:ext uri="{28A0092B-C50C-407E-A947-70E740481C1C}">
+                <a14:useLocalDpi xmlns:a14="http://schemas.microsoft.com/office/drawing/2010/main" val="0"/>
+              </a:ext>
+            </a:extLst>
+          </a:blip>
+          <a:srcRect/>
+          <a:stretch>
+            <a:fillRect/>
+          </a:stretch>
+        </p:blipFill>
+        <p:spPr bwMode="auto">
+          <a:xfrm>
+            <a:off x="7732296" y="1379621"/>
+            <a:ext cx="3497178" cy="3848142"/>
+          </a:xfrm>
+          <a:prstGeom prst="rect">
+            <a:avLst/>
+          </a:prstGeom>
+          <a:noFill/>
+          <a:extLst>
+            <a:ext uri="{909E8E84-426E-40DD-AFC4-6F175D3DCCD1}">
+              <a14:hiddenFill xmlns:a14="http://schemas.microsoft.com/office/drawing/2010/main">
+                <a:solidFill>
+                  <a:srgbClr val="FFFFFF"/>
+                </a:solidFill>
+              </a14:hiddenFill>
+            </a:ext>
+          </a:extLst>
+        </p:spPr>
+      </p:pic>
     </p:spTree>
   </p:cSld>
   <p:clrMapOvr>
@@ -4084,6 +4181,120 @@
       </p:grpSpPr>
       <p:sp>
         <p:nvSpPr>
+          <p:cNvPr id="95234" name="Rectangle 2">
+            <a:extLst>
+              <a:ext uri="{FF2B5EF4-FFF2-40B4-BE49-F238E27FC236}">
+                <a16:creationId xmlns:a16="http://schemas.microsoft.com/office/drawing/2014/main" id="{F188EEC6-D046-639B-02A4-105781F590E6}"/>
+              </a:ext>
+            </a:extLst>
+          </p:cNvPr>
+          <p:cNvSpPr>
+            <a:spLocks noGrp="1" noChangeArrowheads="1"/>
+          </p:cNvSpPr>
+          <p:nvPr>
+            <p:ph type="title"/>
+          </p:nvPr>
+        </p:nvSpPr>
+        <p:spPr/>
+        <p:txBody>
+          <a:bodyPr/>
+          <a:lstStyle/>
+          <a:p>
+            <a:r>
+              <a:rPr lang="en-US" altLang="en-US" dirty="0"/>
+              <a:t>Uses of SDS-PAGE</a:t>
+            </a:r>
+          </a:p>
+        </p:txBody>
+      </p:sp>
+      <p:sp>
+        <p:nvSpPr>
+          <p:cNvPr id="95235" name="Rectangle 3">
+            <a:extLst>
+              <a:ext uri="{FF2B5EF4-FFF2-40B4-BE49-F238E27FC236}">
+                <a16:creationId xmlns:a16="http://schemas.microsoft.com/office/drawing/2014/main" id="{A25643A3-1447-E222-B0F5-446398FDA431}"/>
+              </a:ext>
+            </a:extLst>
+          </p:cNvPr>
+          <p:cNvSpPr>
+            <a:spLocks noGrp="1" noChangeArrowheads="1"/>
+          </p:cNvSpPr>
+          <p:nvPr>
+            <p:ph type="body" idx="1"/>
+          </p:nvPr>
+        </p:nvSpPr>
+        <p:spPr/>
+        <p:txBody>
+          <a:bodyPr>
+            <a:normAutofit/>
+          </a:bodyPr>
+          <a:lstStyle/>
+          <a:p>
+            <a:r>
+              <a:rPr lang="en-US" altLang="en-US" sz="3600" dirty="0"/>
+              <a:t>Determine protein size</a:t>
+            </a:r>
+          </a:p>
+          <a:p>
+            <a:r>
+              <a:rPr lang="en-US" altLang="en-US" sz="3600" dirty="0"/>
+              <a:t>Identify protein</a:t>
+            </a:r>
+          </a:p>
+          <a:p>
+            <a:r>
+              <a:rPr lang="en-US" altLang="en-US" sz="3600" dirty="0"/>
+              <a:t>Determine sample purity</a:t>
+            </a:r>
+          </a:p>
+          <a:p>
+            <a:r>
+              <a:rPr lang="en-US" altLang="en-US" sz="3600" dirty="0"/>
+              <a:t>Identify existence of disulfide bonds</a:t>
+            </a:r>
+          </a:p>
+          <a:p>
+            <a:r>
+              <a:rPr lang="en-US" altLang="en-US" sz="3600" dirty="0"/>
+              <a:t>Quantify amounts of protein</a:t>
+            </a:r>
+          </a:p>
+          <a:p>
+            <a:pPr>
+              <a:buFontTx/>
+              <a:buNone/>
+            </a:pPr>
+            <a:endParaRPr lang="en-US" altLang="en-US" sz="3600" dirty="0"/>
+          </a:p>
+        </p:txBody>
+      </p:sp>
+    </p:spTree>
+  </p:cSld>
+  <p:clrMapOvr>
+    <a:masterClrMapping/>
+  </p:clrMapOvr>
+</p:sld>
+</file>
+
+<file path=ppt/slides/slide12.xml><?xml version="1.0" encoding="utf-8"?>
+<p:sld xmlns:a="http://schemas.openxmlformats.org/drawingml/2006/main" xmlns:r="http://schemas.openxmlformats.org/officeDocument/2006/relationships" xmlns:p="http://schemas.openxmlformats.org/presentationml/2006/main">
+  <p:cSld>
+    <p:spTree>
+      <p:nvGrpSpPr>
+        <p:cNvPr id="1" name=""/>
+        <p:cNvGrpSpPr/>
+        <p:nvPr/>
+      </p:nvGrpSpPr>
+      <p:grpSpPr>
+        <a:xfrm>
+          <a:off x="0" y="0"/>
+          <a:ext cx="0" cy="0"/>
+          <a:chOff x="0" y="0"/>
+          <a:chExt cx="0" cy="0"/>
+        </a:xfrm>
+      </p:grpSpPr>
+      <p:sp>
+        <p:nvSpPr>
           <p:cNvPr id="96258" name="Rectangle 2">
             <a:extLst>
               <a:ext uri="{FF2B5EF4-FFF2-40B4-BE49-F238E27FC236}">
@@ -4191,7 +4402,7 @@
 </p:sld>
 </file>
 
-<file path=ppt/slides/slide12.xml><?xml version="1.0" encoding="utf-8"?>
+<file path=ppt/slides/slide13.xml><?xml version="1.0" encoding="utf-8"?>
 <p:sld xmlns:a="http://schemas.openxmlformats.org/drawingml/2006/main" xmlns:r="http://schemas.openxmlformats.org/officeDocument/2006/relationships" xmlns:p="http://schemas.openxmlformats.org/presentationml/2006/main">
   <p:cSld>
     <p:spTree>
@@ -4368,7 +4579,7 @@
 </p:sld>
 </file>
 
-<file path=ppt/slides/slide13.xml><?xml version="1.0" encoding="utf-8"?>
+<file path=ppt/slides/slide14.xml><?xml version="1.0" encoding="utf-8"?>
 <p:sld xmlns:a="http://schemas.openxmlformats.org/drawingml/2006/main" xmlns:r="http://schemas.openxmlformats.org/officeDocument/2006/relationships" xmlns:p="http://schemas.openxmlformats.org/presentationml/2006/main">
   <p:cSld>
     <p:spTree>
@@ -4463,7 +4674,7 @@
 </p:sld>
 </file>
 
-<file path=ppt/slides/slide14.xml><?xml version="1.0" encoding="utf-8"?>
+<file path=ppt/slides/slide15.xml><?xml version="1.0" encoding="utf-8"?>
 <p:sld xmlns:a="http://schemas.openxmlformats.org/drawingml/2006/main" xmlns:r="http://schemas.openxmlformats.org/officeDocument/2006/relationships" xmlns:p="http://schemas.openxmlformats.org/presentationml/2006/main">
   <p:cSld>
     <p:spTree>
@@ -5195,7 +5406,7 @@
 </p:sld>
 </file>
 
-<file path=ppt/slides/slide15.xml><?xml version="1.0" encoding="utf-8"?>
+<file path=ppt/slides/slide16.xml><?xml version="1.0" encoding="utf-8"?>
 <p:sld xmlns:a="http://schemas.openxmlformats.org/drawingml/2006/main" xmlns:r="http://schemas.openxmlformats.org/officeDocument/2006/relationships" xmlns:p="http://schemas.openxmlformats.org/presentationml/2006/main">
   <p:cSld>
     <p:spTree>
@@ -5331,7 +5542,7 @@
 </p:sld>
 </file>
 
-<file path=ppt/slides/slide16.xml><?xml version="1.0" encoding="utf-8"?>
+<file path=ppt/slides/slide17.xml><?xml version="1.0" encoding="utf-8"?>
 <p:sld xmlns:a="http://schemas.openxmlformats.org/drawingml/2006/main" xmlns:r="http://schemas.openxmlformats.org/officeDocument/2006/relationships" xmlns:p="http://schemas.openxmlformats.org/presentationml/2006/main">
   <p:cSld>
     <p:spTree>
@@ -5577,7 +5788,7 @@
 </p:sld>
 </file>
 
-<file path=ppt/slides/slide17.xml><?xml version="1.0" encoding="utf-8"?>
+<file path=ppt/slides/slide18.xml><?xml version="1.0" encoding="utf-8"?>
 <p:sld xmlns:a="http://schemas.openxmlformats.org/drawingml/2006/main" xmlns:r="http://schemas.openxmlformats.org/officeDocument/2006/relationships" xmlns:p="http://schemas.openxmlformats.org/presentationml/2006/main">
   <p:cSld>
     <p:spTree>
@@ -8289,7 +8500,7 @@
 </p:sld>
 </file>
 
-<file path=ppt/slides/slide18.xml><?xml version="1.0" encoding="utf-8"?>
+<file path=ppt/slides/slide19.xml><?xml version="1.0" encoding="utf-8"?>
 <p:sld xmlns:a="http://schemas.openxmlformats.org/drawingml/2006/main" xmlns:r="http://schemas.openxmlformats.org/officeDocument/2006/relationships" xmlns:p="http://schemas.openxmlformats.org/presentationml/2006/main">
   <p:cSld>
     <p:spTree>
@@ -8384,7 +8595,65 @@
 </p:sld>
 </file>
 
-<file path=ppt/slides/slide19.xml><?xml version="1.0" encoding="utf-8"?>
+<file path=ppt/slides/slide2.xml><?xml version="1.0" encoding="utf-8"?>
+<p:sld xmlns:a="http://schemas.openxmlformats.org/drawingml/2006/main" xmlns:r="http://schemas.openxmlformats.org/officeDocument/2006/relationships" xmlns:p="http://schemas.openxmlformats.org/presentationml/2006/main">
+  <p:cSld>
+    <p:spTree>
+      <p:nvGrpSpPr>
+        <p:cNvPr id="1" name=""/>
+        <p:cNvGrpSpPr/>
+        <p:nvPr/>
+      </p:nvGrpSpPr>
+      <p:grpSpPr>
+        <a:xfrm>
+          <a:off x="0" y="0"/>
+          <a:ext cx="0" cy="0"/>
+          <a:chOff x="0" y="0"/>
+          <a:chExt cx="0" cy="0"/>
+        </a:xfrm>
+      </p:grpSpPr>
+      <p:sp>
+        <p:nvSpPr>
+          <p:cNvPr id="2" name="Title 1">
+            <a:extLst>
+              <a:ext uri="{FF2B5EF4-FFF2-40B4-BE49-F238E27FC236}">
+                <a16:creationId xmlns:a16="http://schemas.microsoft.com/office/drawing/2014/main" id="{D2073480-5180-1994-A146-2E5F070AEADF}"/>
+              </a:ext>
+            </a:extLst>
+          </p:cNvPr>
+          <p:cNvSpPr>
+            <a:spLocks noGrp="1"/>
+          </p:cNvSpPr>
+          <p:nvPr>
+            <p:ph type="title"/>
+          </p:nvPr>
+        </p:nvSpPr>
+        <p:spPr/>
+        <p:txBody>
+          <a:bodyPr/>
+          <a:lstStyle/>
+          <a:p>
+            <a:r>
+              <a:rPr lang="en-US" dirty="0"/>
+              <a:t>What types of properties do we want/need to separate biomolecules?</a:t>
+            </a:r>
+          </a:p>
+        </p:txBody>
+      </p:sp>
+    </p:spTree>
+    <p:extLst>
+      <p:ext uri="{BB962C8B-B14F-4D97-AF65-F5344CB8AC3E}">
+        <p14:creationId xmlns:p14="http://schemas.microsoft.com/office/powerpoint/2010/main" val="3679259411"/>
+      </p:ext>
+    </p:extLst>
+  </p:cSld>
+  <p:clrMapOvr>
+    <a:masterClrMapping/>
+  </p:clrMapOvr>
+</p:sld>
+</file>
+
+<file path=ppt/slides/slide20.xml><?xml version="1.0" encoding="utf-8"?>
 <p:sld xmlns:a="http://schemas.openxmlformats.org/drawingml/2006/main" xmlns:r="http://schemas.openxmlformats.org/officeDocument/2006/relationships" xmlns:p="http://schemas.openxmlformats.org/presentationml/2006/main">
   <p:cSld>
     <p:spTree>
@@ -8439,65 +8708,7 @@
 </p:sld>
 </file>
 
-<file path=ppt/slides/slide2.xml><?xml version="1.0" encoding="utf-8"?>
-<p:sld xmlns:a="http://schemas.openxmlformats.org/drawingml/2006/main" xmlns:r="http://schemas.openxmlformats.org/officeDocument/2006/relationships" xmlns:p="http://schemas.openxmlformats.org/presentationml/2006/main">
-  <p:cSld>
-    <p:spTree>
-      <p:nvGrpSpPr>
-        <p:cNvPr id="1" name=""/>
-        <p:cNvGrpSpPr/>
-        <p:nvPr/>
-      </p:nvGrpSpPr>
-      <p:grpSpPr>
-        <a:xfrm>
-          <a:off x="0" y="0"/>
-          <a:ext cx="0" cy="0"/>
-          <a:chOff x="0" y="0"/>
-          <a:chExt cx="0" cy="0"/>
-        </a:xfrm>
-      </p:grpSpPr>
-      <p:sp>
-        <p:nvSpPr>
-          <p:cNvPr id="2" name="Title 1">
-            <a:extLst>
-              <a:ext uri="{FF2B5EF4-FFF2-40B4-BE49-F238E27FC236}">
-                <a16:creationId xmlns:a16="http://schemas.microsoft.com/office/drawing/2014/main" id="{D2073480-5180-1994-A146-2E5F070AEADF}"/>
-              </a:ext>
-            </a:extLst>
-          </p:cNvPr>
-          <p:cNvSpPr>
-            <a:spLocks noGrp="1"/>
-          </p:cNvSpPr>
-          <p:nvPr>
-            <p:ph type="title"/>
-          </p:nvPr>
-        </p:nvSpPr>
-        <p:spPr/>
-        <p:txBody>
-          <a:bodyPr/>
-          <a:lstStyle/>
-          <a:p>
-            <a:r>
-              <a:rPr lang="en-US" dirty="0"/>
-              <a:t>What types of properties do we want/need to separate biomolecules?</a:t>
-            </a:r>
-          </a:p>
-        </p:txBody>
-      </p:sp>
-    </p:spTree>
-    <p:extLst>
-      <p:ext uri="{BB962C8B-B14F-4D97-AF65-F5344CB8AC3E}">
-        <p14:creationId xmlns:p14="http://schemas.microsoft.com/office/powerpoint/2010/main" val="3679259411"/>
-      </p:ext>
-    </p:extLst>
-  </p:cSld>
-  <p:clrMapOvr>
-    <a:masterClrMapping/>
-  </p:clrMapOvr>
-</p:sld>
-</file>
-
-<file path=ppt/slides/slide20.xml><?xml version="1.0" encoding="utf-8"?>
+<file path=ppt/slides/slide21.xml><?xml version="1.0" encoding="utf-8"?>
 <p:sld xmlns:a="http://schemas.openxmlformats.org/drawingml/2006/main" xmlns:r="http://schemas.openxmlformats.org/officeDocument/2006/relationships" xmlns:p="http://schemas.openxmlformats.org/presentationml/2006/main">
   <p:cSld>
     <p:spTree>
@@ -9095,7 +9306,7 @@
 </p:sld>
 </file>
 
-<file path=ppt/slides/slide21.xml><?xml version="1.0" encoding="utf-8"?>
+<file path=ppt/slides/slide22.xml><?xml version="1.0" encoding="utf-8"?>
 <p:sld xmlns:a="http://schemas.openxmlformats.org/drawingml/2006/main" xmlns:r="http://schemas.openxmlformats.org/officeDocument/2006/relationships" xmlns:p="http://schemas.openxmlformats.org/presentationml/2006/main">
   <p:cSld>
     <p:spTree>
@@ -9644,8 +9855,8 @@
           </a:prstGeom>
         </p:spPr>
       </p:pic>
-      <mc:AlternateContent xmlns:mc="http://schemas.openxmlformats.org/markup-compatibility/2006">
-        <mc:Choice xmlns:a14="http://schemas.microsoft.com/office/drawing/2010/main" Requires="a14">
+      <mc:AlternateContent xmlns:mc="http://schemas.openxmlformats.org/markup-compatibility/2006" xmlns:a14="http://schemas.microsoft.com/office/drawing/2010/main">
+        <mc:Choice Requires="a14">
           <p:sp>
             <p:nvSpPr>
               <p:cNvPr id="7" name="TextBox 6">
@@ -9676,6 +9887,7 @@
               </a:bodyPr>
               <a:lstStyle/>
               <a:p>
+                <a:pPr/>
                 <a14:m>
                   <m:oMathPara xmlns:m="http://schemas.openxmlformats.org/officeDocument/2006/math">
                     <m:oMathParaPr>
@@ -9839,7 +10051,7 @@
             </p:txBody>
           </p:sp>
         </mc:Choice>
-        <mc:Fallback>
+        <mc:Fallback xmlns="">
           <p:sp>
             <p:nvSpPr>
               <p:cNvPr id="7" name="TextBox 6">
@@ -10089,6 +10301,36 @@
           <a:chExt cx="0" cy="0"/>
         </a:xfrm>
       </p:grpSpPr>
+      <p:pic>
+        <p:nvPicPr>
+          <p:cNvPr id="2" name="Picture 1">
+            <a:extLst>
+              <a:ext uri="{FF2B5EF4-FFF2-40B4-BE49-F238E27FC236}">
+                <a16:creationId xmlns:a16="http://schemas.microsoft.com/office/drawing/2014/main" id="{2AA9581D-9A74-0295-015A-A3B3E5E2B6A6}"/>
+              </a:ext>
+            </a:extLst>
+          </p:cNvPr>
+          <p:cNvPicPr>
+            <a:picLocks noChangeAspect="1"/>
+          </p:cNvPicPr>
+          <p:nvPr/>
+        </p:nvPicPr>
+        <p:blipFill>
+          <a:blip r:embed="rId2"/>
+          <a:stretch>
+            <a:fillRect/>
+          </a:stretch>
+        </p:blipFill>
+        <p:spPr>
+          <a:xfrm>
+            <a:off x="6336130" y="1770647"/>
+            <a:ext cx="5562600" cy="4400550"/>
+          </a:xfrm>
+          <a:prstGeom prst="rect">
+            <a:avLst/>
+          </a:prstGeom>
+        </p:spPr>
+      </p:pic>
       <p:sp>
         <p:nvSpPr>
           <p:cNvPr id="3" name="Title 2">
@@ -10140,7 +10382,7 @@
         </p:nvSpPr>
         <p:spPr>
           <a:xfrm>
-            <a:off x="721468" y="1660255"/>
+            <a:off x="569068" y="1650730"/>
             <a:ext cx="7440038" cy="4351338"/>
           </a:xfrm>
         </p:spPr>
@@ -10160,6 +10402,216 @@
           </a:p>
         </p:txBody>
       </p:sp>
+      <mc:AlternateContent xmlns:mc="http://schemas.openxmlformats.org/markup-compatibility/2006">
+        <mc:Choice xmlns:a14="http://schemas.microsoft.com/office/drawing/2010/main" Requires="a14">
+          <p:sp>
+            <p:nvSpPr>
+              <p:cNvPr id="5" name="TextBox 4">
+                <a:extLst>
+                  <a:ext uri="{FF2B5EF4-FFF2-40B4-BE49-F238E27FC236}">
+                    <a16:creationId xmlns:a16="http://schemas.microsoft.com/office/drawing/2014/main" id="{AD8FE05A-41A4-796B-012E-C10CD698912F}"/>
+                  </a:ext>
+                </a:extLst>
+              </p:cNvPr>
+              <p:cNvSpPr txBox="1">
+                <a:spLocks/>
+              </p:cNvSpPr>
+              <p:nvPr/>
+            </p:nvSpPr>
+            <p:spPr>
+              <a:xfrm>
+                <a:off x="1715092" y="3399070"/>
+                <a:ext cx="3771308" cy="801117"/>
+              </a:xfrm>
+              <a:prstGeom prst="rect">
+                <a:avLst/>
+              </a:prstGeom>
+              <a:noFill/>
+            </p:spPr>
+            <p:txBody>
+              <a:bodyPr wrap="square" lIns="0" tIns="0" rIns="0" bIns="0" rtlCol="0">
+                <a:spAutoFit/>
+              </a:bodyPr>
+              <a:lstStyle/>
+              <a:p>
+                <a:pPr/>
+                <a14:m>
+                  <m:oMathPara xmlns:m="http://schemas.openxmlformats.org/officeDocument/2006/math">
+                    <m:oMathParaPr>
+                      <m:jc m:val="centerGroup"/>
+                    </m:oMathParaPr>
+                    <m:oMath xmlns:m="http://schemas.openxmlformats.org/officeDocument/2006/math">
+                      <m:sSub>
+                        <m:sSubPr>
+                          <m:ctrlPr>
+                            <a:rPr lang="en-US" sz="2800" b="0" i="1" smtClean="0">
+                              <a:latin typeface="Cambria Math" panose="02040503050406030204" pitchFamily="18" charset="0"/>
+                            </a:rPr>
+                          </m:ctrlPr>
+                        </m:sSubPr>
+                        <m:e>
+                          <m:r>
+                            <a:rPr lang="en-US" sz="2800" b="0" i="1" smtClean="0">
+                              <a:latin typeface="Cambria Math" panose="02040503050406030204" pitchFamily="18" charset="0"/>
+                            </a:rPr>
+                            <m:t>𝑃</m:t>
+                          </m:r>
+                        </m:e>
+                        <m:sub>
+                          <m:r>
+                            <a:rPr lang="en-US" sz="2800" b="0" i="1" smtClean="0">
+                              <a:latin typeface="Cambria Math" panose="02040503050406030204" pitchFamily="18" charset="0"/>
+                            </a:rPr>
+                            <m:t>𝑐</m:t>
+                          </m:r>
+                        </m:sub>
+                      </m:sSub>
+                      <m:r>
+                        <a:rPr lang="en-US" sz="2800" b="0" i="1" smtClean="0">
+                          <a:latin typeface="Cambria Math" panose="02040503050406030204" pitchFamily="18" charset="0"/>
+                        </a:rPr>
+                        <m:t>= </m:t>
+                      </m:r>
+                      <m:f>
+                        <m:fPr>
+                          <m:ctrlPr>
+                            <a:rPr lang="en-US" sz="2800" b="0" i="1" smtClean="0">
+                              <a:latin typeface="Cambria Math" panose="02040503050406030204" pitchFamily="18" charset="0"/>
+                            </a:rPr>
+                          </m:ctrlPr>
+                        </m:fPr>
+                        <m:num>
+                          <m:sSub>
+                            <m:sSubPr>
+                              <m:ctrlPr>
+                                <a:rPr lang="en-US" sz="2800" b="0" i="1" smtClean="0">
+                                  <a:latin typeface="Cambria Math" panose="02040503050406030204" pitchFamily="18" charset="0"/>
+                                </a:rPr>
+                              </m:ctrlPr>
+                            </m:sSubPr>
+                            <m:e>
+                              <m:r>
+                                <a:rPr lang="en-US" sz="2800" b="0" i="1" smtClean="0">
+                                  <a:latin typeface="Cambria Math" panose="02040503050406030204" pitchFamily="18" charset="0"/>
+                                </a:rPr>
+                                <m:t>𝑡</m:t>
+                              </m:r>
+                            </m:e>
+                            <m:sub>
+                              <m:r>
+                                <a:rPr lang="en-US" sz="2800" b="0" i="1" smtClean="0">
+                                  <a:latin typeface="Cambria Math" panose="02040503050406030204" pitchFamily="18" charset="0"/>
+                                </a:rPr>
+                                <m:t>𝑙</m:t>
+                              </m:r>
+                            </m:sub>
+                          </m:sSub>
+                          <m:r>
+                            <a:rPr lang="en-US" sz="2800" b="0" i="1" smtClean="0">
+                              <a:latin typeface="Cambria Math" panose="02040503050406030204" pitchFamily="18" charset="0"/>
+                            </a:rPr>
+                            <m:t>−</m:t>
+                          </m:r>
+                          <m:sSub>
+                            <m:sSubPr>
+                              <m:ctrlPr>
+                                <a:rPr lang="en-US" sz="2800" b="0" i="1" smtClean="0">
+                                  <a:latin typeface="Cambria Math" panose="02040503050406030204" pitchFamily="18" charset="0"/>
+                                </a:rPr>
+                              </m:ctrlPr>
+                            </m:sSubPr>
+                            <m:e>
+                              <m:r>
+                                <a:rPr lang="en-US" sz="2800" b="0" i="1" smtClean="0">
+                                  <a:latin typeface="Cambria Math" panose="02040503050406030204" pitchFamily="18" charset="0"/>
+                                </a:rPr>
+                                <m:t>𝑡</m:t>
+                              </m:r>
+                            </m:e>
+                            <m:sub>
+                              <m:r>
+                                <a:rPr lang="en-US" sz="2800" b="0" i="1" smtClean="0">
+                                  <a:latin typeface="Cambria Math" panose="02040503050406030204" pitchFamily="18" charset="0"/>
+                                </a:rPr>
+                                <m:t>𝑓</m:t>
+                              </m:r>
+                            </m:sub>
+                          </m:sSub>
+                        </m:num>
+                        <m:den>
+                          <m:acc>
+                            <m:accPr>
+                              <m:chr m:val="̅"/>
+                              <m:ctrlPr>
+                                <a:rPr lang="en-US" sz="2800" b="0" i="1" smtClean="0">
+                                  <a:latin typeface="Cambria Math" panose="02040503050406030204" pitchFamily="18" charset="0"/>
+                                </a:rPr>
+                              </m:ctrlPr>
+                            </m:accPr>
+                            <m:e>
+                              <m:r>
+                                <a:rPr lang="en-US" sz="2800" b="0" i="1" smtClean="0">
+                                  <a:latin typeface="Cambria Math" panose="02040503050406030204" pitchFamily="18" charset="0"/>
+                                </a:rPr>
+                                <m:t>𝑊</m:t>
+                              </m:r>
+                            </m:e>
+                          </m:acc>
+                        </m:den>
+                      </m:f>
+                    </m:oMath>
+                  </m:oMathPara>
+                </a14:m>
+                <a:endParaRPr lang="en-US" sz="2800" dirty="0"/>
+              </a:p>
+            </p:txBody>
+          </p:sp>
+        </mc:Choice>
+        <mc:Fallback>
+          <p:sp>
+            <p:nvSpPr>
+              <p:cNvPr id="5" name="TextBox 4">
+                <a:extLst>
+                  <a:ext uri="{FF2B5EF4-FFF2-40B4-BE49-F238E27FC236}">
+                    <a16:creationId xmlns:a16="http://schemas.microsoft.com/office/drawing/2014/main" id="{AD8FE05A-41A4-796B-012E-C10CD698912F}"/>
+                  </a:ext>
+                </a:extLst>
+              </p:cNvPr>
+              <p:cNvSpPr txBox="1">
+                <a:spLocks noRot="1" noChangeAspect="1" noMove="1" noResize="1" noEditPoints="1" noAdjustHandles="1" noChangeArrowheads="1" noChangeShapeType="1" noTextEdit="1"/>
+              </p:cNvSpPr>
+              <p:nvPr/>
+            </p:nvSpPr>
+            <p:spPr>
+              <a:xfrm>
+                <a:off x="1715092" y="3399070"/>
+                <a:ext cx="3771308" cy="801117"/>
+              </a:xfrm>
+              <a:prstGeom prst="rect">
+                <a:avLst/>
+              </a:prstGeom>
+              <a:blipFill>
+                <a:blip r:embed="rId3"/>
+                <a:stretch>
+                  <a:fillRect/>
+                </a:stretch>
+              </a:blipFill>
+            </p:spPr>
+            <p:txBody>
+              <a:bodyPr/>
+              <a:lstStyle/>
+              <a:p>
+                <a:r>
+                  <a:rPr lang="en-US">
+                    <a:noFill/>
+                  </a:rPr>
+                  <a:t> </a:t>
+                </a:r>
+              </a:p>
+            </p:txBody>
+          </p:sp>
+        </mc:Fallback>
+      </mc:AlternateContent>
     </p:spTree>
     <p:extLst>
       <p:ext uri="{BB962C8B-B14F-4D97-AF65-F5344CB8AC3E}">
@@ -10174,6 +10626,630 @@
 </file>
 
 <file path=ppt/slides/slide6.xml><?xml version="1.0" encoding="utf-8"?>
+<p:sld xmlns:a="http://schemas.openxmlformats.org/drawingml/2006/main" xmlns:r="http://schemas.openxmlformats.org/officeDocument/2006/relationships" xmlns:p="http://schemas.openxmlformats.org/presentationml/2006/main">
+  <p:cSld>
+    <p:spTree>
+      <p:nvGrpSpPr>
+        <p:cNvPr id="1" name=""/>
+        <p:cNvGrpSpPr/>
+        <p:nvPr/>
+      </p:nvGrpSpPr>
+      <p:grpSpPr>
+        <a:xfrm>
+          <a:off x="0" y="0"/>
+          <a:ext cx="0" cy="0"/>
+          <a:chOff x="0" y="0"/>
+          <a:chExt cx="0" cy="0"/>
+        </a:xfrm>
+      </p:grpSpPr>
+      <p:sp>
+        <p:nvSpPr>
+          <p:cNvPr id="3" name="Title 2">
+            <a:extLst>
+              <a:ext uri="{FF2B5EF4-FFF2-40B4-BE49-F238E27FC236}">
+                <a16:creationId xmlns:a16="http://schemas.microsoft.com/office/drawing/2014/main" id="{8F25527F-C783-7C37-A672-8E835BB59A8A}"/>
+              </a:ext>
+            </a:extLst>
+          </p:cNvPr>
+          <p:cNvSpPr>
+            <a:spLocks noGrp="1"/>
+          </p:cNvSpPr>
+          <p:nvPr>
+            <p:ph type="title"/>
+          </p:nvPr>
+        </p:nvSpPr>
+        <p:spPr>
+          <a:xfrm>
+            <a:off x="721468" y="258121"/>
+            <a:ext cx="10515600" cy="1006475"/>
+          </a:xfrm>
+        </p:spPr>
+        <p:txBody>
+          <a:bodyPr/>
+          <a:lstStyle/>
+          <a:p>
+            <a:r>
+              <a:rPr lang="en-US" dirty="0"/>
+              <a:t>How do we evaluate separations?</a:t>
+            </a:r>
+          </a:p>
+        </p:txBody>
+      </p:sp>
+      <p:sp>
+        <p:nvSpPr>
+          <p:cNvPr id="4" name="Content Placeholder 3">
+            <a:extLst>
+              <a:ext uri="{FF2B5EF4-FFF2-40B4-BE49-F238E27FC236}">
+                <a16:creationId xmlns:a16="http://schemas.microsoft.com/office/drawing/2014/main" id="{F63C04E5-F472-A9CB-E57C-E4382002B2CF}"/>
+              </a:ext>
+            </a:extLst>
+          </p:cNvPr>
+          <p:cNvSpPr>
+            <a:spLocks noGrp="1"/>
+          </p:cNvSpPr>
+          <p:nvPr>
+            <p:ph idx="1"/>
+          </p:nvPr>
+        </p:nvSpPr>
+        <p:spPr>
+          <a:xfrm>
+            <a:off x="569068" y="1650730"/>
+            <a:ext cx="7440038" cy="4351338"/>
+          </a:xfrm>
+        </p:spPr>
+        <p:txBody>
+          <a:bodyPr/>
+          <a:lstStyle/>
+          <a:p>
+            <a:r>
+              <a:rPr lang="en-US" i="1" dirty="0"/>
+              <a:t>Theoretical Plates</a:t>
+            </a:r>
+            <a:r>
+              <a:rPr lang="en-US" dirty="0"/>
+              <a:t> – is a measure of the efficiency of the separation</a:t>
+            </a:r>
+            <a:endParaRPr lang="en-US" i="1" dirty="0"/>
+          </a:p>
+        </p:txBody>
+      </p:sp>
+      <mc:AlternateContent xmlns:mc="http://schemas.openxmlformats.org/markup-compatibility/2006">
+        <mc:Choice xmlns:a14="http://schemas.microsoft.com/office/drawing/2010/main" Requires="a14">
+          <p:sp>
+            <p:nvSpPr>
+              <p:cNvPr id="5" name="TextBox 4">
+                <a:extLst>
+                  <a:ext uri="{FF2B5EF4-FFF2-40B4-BE49-F238E27FC236}">
+                    <a16:creationId xmlns:a16="http://schemas.microsoft.com/office/drawing/2014/main" id="{AD8FE05A-41A4-796B-012E-C10CD698912F}"/>
+                  </a:ext>
+                </a:extLst>
+              </p:cNvPr>
+              <p:cNvSpPr txBox="1">
+                <a:spLocks/>
+              </p:cNvSpPr>
+              <p:nvPr/>
+            </p:nvSpPr>
+            <p:spPr>
+              <a:xfrm>
+                <a:off x="1426333" y="2992791"/>
+                <a:ext cx="3771308" cy="872418"/>
+              </a:xfrm>
+              <a:prstGeom prst="rect">
+                <a:avLst/>
+              </a:prstGeom>
+              <a:noFill/>
+            </p:spPr>
+            <p:txBody>
+              <a:bodyPr wrap="square" lIns="0" tIns="0" rIns="0" bIns="0" rtlCol="0">
+                <a:spAutoFit/>
+              </a:bodyPr>
+              <a:lstStyle/>
+              <a:p>
+                <a:pPr/>
+                <a14:m>
+                  <m:oMathPara xmlns:m="http://schemas.openxmlformats.org/officeDocument/2006/math">
+                    <m:oMathParaPr>
+                      <m:jc m:val="centerGroup"/>
+                    </m:oMathParaPr>
+                    <m:oMath xmlns:m="http://schemas.openxmlformats.org/officeDocument/2006/math">
+                      <m:r>
+                        <a:rPr lang="en-US" sz="2800" b="0" i="1" smtClean="0">
+                          <a:latin typeface="Cambria Math" panose="02040503050406030204" pitchFamily="18" charset="0"/>
+                        </a:rPr>
+                        <m:t>𝑁</m:t>
+                      </m:r>
+                      <m:r>
+                        <a:rPr lang="en-US" sz="2800" b="0" i="1" smtClean="0">
+                          <a:latin typeface="Cambria Math" panose="02040503050406030204" pitchFamily="18" charset="0"/>
+                        </a:rPr>
+                        <m:t>= </m:t>
+                      </m:r>
+                      <m:sSup>
+                        <m:sSupPr>
+                          <m:ctrlPr>
+                            <a:rPr lang="en-US" sz="2800" b="0" i="1" smtClean="0">
+                              <a:latin typeface="Cambria Math" panose="02040503050406030204" pitchFamily="18" charset="0"/>
+                            </a:rPr>
+                          </m:ctrlPr>
+                        </m:sSupPr>
+                        <m:e>
+                          <m:d>
+                            <m:dPr>
+                              <m:ctrlPr>
+                                <a:rPr lang="en-US" sz="2800" i="1">
+                                  <a:latin typeface="Cambria Math" panose="02040503050406030204" pitchFamily="18" charset="0"/>
+                                </a:rPr>
+                              </m:ctrlPr>
+                            </m:dPr>
+                            <m:e>
+                              <m:f>
+                                <m:fPr>
+                                  <m:ctrlPr>
+                                    <a:rPr lang="en-US" sz="2800" i="1">
+                                      <a:latin typeface="Cambria Math" panose="02040503050406030204" pitchFamily="18" charset="0"/>
+                                    </a:rPr>
+                                  </m:ctrlPr>
+                                </m:fPr>
+                                <m:num>
+                                  <m:sSub>
+                                    <m:sSubPr>
+                                      <m:ctrlPr>
+                                        <a:rPr lang="en-US" sz="2800" i="1">
+                                          <a:latin typeface="Cambria Math" panose="02040503050406030204" pitchFamily="18" charset="0"/>
+                                        </a:rPr>
+                                      </m:ctrlPr>
+                                    </m:sSubPr>
+                                    <m:e>
+                                      <m:r>
+                                        <a:rPr lang="en-US" sz="2800" i="1">
+                                          <a:latin typeface="Cambria Math" panose="02040503050406030204" pitchFamily="18" charset="0"/>
+                                        </a:rPr>
+                                        <m:t>𝑡</m:t>
+                                      </m:r>
+                                    </m:e>
+                                    <m:sub>
+                                      <m:r>
+                                        <a:rPr lang="en-US" sz="2800" i="1">
+                                          <a:latin typeface="Cambria Math" panose="02040503050406030204" pitchFamily="18" charset="0"/>
+                                        </a:rPr>
+                                        <m:t>𝑅</m:t>
+                                      </m:r>
+                                    </m:sub>
+                                  </m:sSub>
+                                </m:num>
+                                <m:den>
+                                  <m:r>
+                                    <a:rPr lang="en-US" sz="2800" i="1">
+                                      <a:latin typeface="Cambria Math" panose="02040503050406030204" pitchFamily="18" charset="0"/>
+                                      <a:ea typeface="Cambria Math" panose="02040503050406030204" pitchFamily="18" charset="0"/>
+                                    </a:rPr>
+                                    <m:t>𝜎</m:t>
+                                  </m:r>
+                                </m:den>
+                              </m:f>
+                            </m:e>
+                          </m:d>
+                        </m:e>
+                        <m:sup>
+                          <m:r>
+                            <a:rPr lang="en-US" sz="2800" b="0" i="1" smtClean="0">
+                              <a:latin typeface="Cambria Math" panose="02040503050406030204" pitchFamily="18" charset="0"/>
+                            </a:rPr>
+                            <m:t>2</m:t>
+                          </m:r>
+                        </m:sup>
+                      </m:sSup>
+                    </m:oMath>
+                  </m:oMathPara>
+                </a14:m>
+                <a:endParaRPr lang="en-US" sz="2800" dirty="0"/>
+              </a:p>
+            </p:txBody>
+          </p:sp>
+        </mc:Choice>
+        <mc:Fallback>
+          <p:sp>
+            <p:nvSpPr>
+              <p:cNvPr id="5" name="TextBox 4">
+                <a:extLst>
+                  <a:ext uri="{FF2B5EF4-FFF2-40B4-BE49-F238E27FC236}">
+                    <a16:creationId xmlns:a16="http://schemas.microsoft.com/office/drawing/2014/main" id="{AD8FE05A-41A4-796B-012E-C10CD698912F}"/>
+                  </a:ext>
+                </a:extLst>
+              </p:cNvPr>
+              <p:cNvSpPr txBox="1">
+                <a:spLocks noRot="1" noChangeAspect="1" noMove="1" noResize="1" noEditPoints="1" noAdjustHandles="1" noChangeArrowheads="1" noChangeShapeType="1" noTextEdit="1"/>
+              </p:cNvSpPr>
+              <p:nvPr/>
+            </p:nvSpPr>
+            <p:spPr>
+              <a:xfrm>
+                <a:off x="1426333" y="2992791"/>
+                <a:ext cx="3771308" cy="872418"/>
+              </a:xfrm>
+              <a:prstGeom prst="rect">
+                <a:avLst/>
+              </a:prstGeom>
+              <a:blipFill>
+                <a:blip r:embed="rId2"/>
+                <a:stretch>
+                  <a:fillRect/>
+                </a:stretch>
+              </a:blipFill>
+            </p:spPr>
+            <p:txBody>
+              <a:bodyPr/>
+              <a:lstStyle/>
+              <a:p>
+                <a:r>
+                  <a:rPr lang="en-US">
+                    <a:noFill/>
+                  </a:rPr>
+                  <a:t> </a:t>
+                </a:r>
+              </a:p>
+            </p:txBody>
+          </p:sp>
+        </mc:Fallback>
+      </mc:AlternateContent>
+      <p:pic>
+        <p:nvPicPr>
+          <p:cNvPr id="7" name="Picture 6">
+            <a:extLst>
+              <a:ext uri="{FF2B5EF4-FFF2-40B4-BE49-F238E27FC236}">
+                <a16:creationId xmlns:a16="http://schemas.microsoft.com/office/drawing/2014/main" id="{AA2D9729-CEA2-4DC5-3557-CFA704F7ECC7}"/>
+              </a:ext>
+            </a:extLst>
+          </p:cNvPr>
+          <p:cNvPicPr>
+            <a:picLocks noChangeAspect="1"/>
+          </p:cNvPicPr>
+          <p:nvPr/>
+        </p:nvPicPr>
+        <p:blipFill>
+          <a:blip r:embed="rId3"/>
+          <a:stretch>
+            <a:fillRect/>
+          </a:stretch>
+        </p:blipFill>
+        <p:spPr>
+          <a:xfrm>
+            <a:off x="7769015" y="1687612"/>
+            <a:ext cx="3853917" cy="3482776"/>
+          </a:xfrm>
+          <a:prstGeom prst="rect">
+            <a:avLst/>
+          </a:prstGeom>
+        </p:spPr>
+      </p:pic>
+      <p:pic>
+        <p:nvPicPr>
+          <p:cNvPr id="2" name="Picture 1">
+            <a:extLst>
+              <a:ext uri="{FF2B5EF4-FFF2-40B4-BE49-F238E27FC236}">
+                <a16:creationId xmlns:a16="http://schemas.microsoft.com/office/drawing/2014/main" id="{2AA9581D-9A74-0295-015A-A3B3E5E2B6A6}"/>
+              </a:ext>
+            </a:extLst>
+          </p:cNvPr>
+          <p:cNvPicPr>
+            <a:picLocks noChangeAspect="1"/>
+          </p:cNvPicPr>
+          <p:nvPr/>
+        </p:nvPicPr>
+        <p:blipFill>
+          <a:blip r:embed="rId4"/>
+          <a:stretch>
+            <a:fillRect/>
+          </a:stretch>
+        </p:blipFill>
+        <p:spPr>
+          <a:xfrm>
+            <a:off x="7617834" y="1708690"/>
+            <a:ext cx="4485313" cy="3548313"/>
+          </a:xfrm>
+          <a:prstGeom prst="rect">
+            <a:avLst/>
+          </a:prstGeom>
+        </p:spPr>
+      </p:pic>
+      <mc:AlternateContent xmlns:mc="http://schemas.openxmlformats.org/markup-compatibility/2006">
+        <mc:Choice xmlns:a14="http://schemas.microsoft.com/office/drawing/2010/main" Requires="a14">
+          <p:sp>
+            <p:nvSpPr>
+              <p:cNvPr id="8" name="TextBox 7">
+                <a:extLst>
+                  <a:ext uri="{FF2B5EF4-FFF2-40B4-BE49-F238E27FC236}">
+                    <a16:creationId xmlns:a16="http://schemas.microsoft.com/office/drawing/2014/main" id="{929B93C9-872D-EE3E-6750-B7BF51E5A869}"/>
+                  </a:ext>
+                </a:extLst>
+              </p:cNvPr>
+              <p:cNvSpPr txBox="1">
+                <a:spLocks/>
+              </p:cNvSpPr>
+              <p:nvPr/>
+            </p:nvSpPr>
+            <p:spPr>
+              <a:xfrm>
+                <a:off x="1426333" y="4384585"/>
+                <a:ext cx="3771308" cy="1053237"/>
+              </a:xfrm>
+              <a:prstGeom prst="rect">
+                <a:avLst/>
+              </a:prstGeom>
+              <a:noFill/>
+            </p:spPr>
+            <p:txBody>
+              <a:bodyPr wrap="square" lIns="0" tIns="0" rIns="0" bIns="0" rtlCol="0">
+                <a:spAutoFit/>
+              </a:bodyPr>
+              <a:lstStyle/>
+              <a:p>
+                <a:pPr/>
+                <a14:m>
+                  <m:oMathPara xmlns:m="http://schemas.openxmlformats.org/officeDocument/2006/math">
+                    <m:oMathParaPr>
+                      <m:jc m:val="centerGroup"/>
+                    </m:oMathParaPr>
+                    <m:oMath xmlns:m="http://schemas.openxmlformats.org/officeDocument/2006/math">
+                      <m:r>
+                        <a:rPr lang="en-US" sz="2800" b="0" i="1" smtClean="0">
+                          <a:latin typeface="Cambria Math" panose="02040503050406030204" pitchFamily="18" charset="0"/>
+                        </a:rPr>
+                        <m:t>𝑁</m:t>
+                      </m:r>
+                      <m:r>
+                        <a:rPr lang="en-US" sz="2800" b="0" i="1" smtClean="0">
+                          <a:latin typeface="Cambria Math" panose="02040503050406030204" pitchFamily="18" charset="0"/>
+                        </a:rPr>
+                        <m:t>=</m:t>
+                      </m:r>
+                      <m:r>
+                        <a:rPr lang="en-US" sz="2800" b="0" i="1" smtClean="0">
+                          <a:latin typeface="Cambria Math" panose="02040503050406030204" pitchFamily="18" charset="0"/>
+                        </a:rPr>
+                        <m:t>16</m:t>
+                      </m:r>
+                      <m:r>
+                        <a:rPr lang="en-US" sz="2800" b="0" i="1" smtClean="0">
+                          <a:latin typeface="Cambria Math" panose="02040503050406030204" pitchFamily="18" charset="0"/>
+                        </a:rPr>
+                        <m:t>∗</m:t>
+                      </m:r>
+                      <m:sSup>
+                        <m:sSupPr>
+                          <m:ctrlPr>
+                            <a:rPr lang="en-US" sz="2800" b="0" i="1" smtClean="0">
+                              <a:latin typeface="Cambria Math" panose="02040503050406030204" pitchFamily="18" charset="0"/>
+                            </a:rPr>
+                          </m:ctrlPr>
+                        </m:sSupPr>
+                        <m:e>
+                          <m:d>
+                            <m:dPr>
+                              <m:ctrlPr>
+                                <a:rPr lang="en-US" sz="2800" i="1">
+                                  <a:latin typeface="Cambria Math" panose="02040503050406030204" pitchFamily="18" charset="0"/>
+                                </a:rPr>
+                              </m:ctrlPr>
+                            </m:dPr>
+                            <m:e>
+                              <m:f>
+                                <m:fPr>
+                                  <m:ctrlPr>
+                                    <a:rPr lang="en-US" sz="2800" i="1">
+                                      <a:latin typeface="Cambria Math" panose="02040503050406030204" pitchFamily="18" charset="0"/>
+                                    </a:rPr>
+                                  </m:ctrlPr>
+                                </m:fPr>
+                                <m:num>
+                                  <m:sSub>
+                                    <m:sSubPr>
+                                      <m:ctrlPr>
+                                        <a:rPr lang="en-US" sz="2800" i="1">
+                                          <a:latin typeface="Cambria Math" panose="02040503050406030204" pitchFamily="18" charset="0"/>
+                                        </a:rPr>
+                                      </m:ctrlPr>
+                                    </m:sSubPr>
+                                    <m:e>
+                                      <m:r>
+                                        <a:rPr lang="en-US" sz="2800" i="1">
+                                          <a:latin typeface="Cambria Math" panose="02040503050406030204" pitchFamily="18" charset="0"/>
+                                        </a:rPr>
+                                        <m:t>𝑡</m:t>
+                                      </m:r>
+                                    </m:e>
+                                    <m:sub>
+                                      <m:r>
+                                        <a:rPr lang="en-US" sz="2800" i="1">
+                                          <a:latin typeface="Cambria Math" panose="02040503050406030204" pitchFamily="18" charset="0"/>
+                                        </a:rPr>
+                                        <m:t>𝑅</m:t>
+                                      </m:r>
+                                    </m:sub>
+                                  </m:sSub>
+                                </m:num>
+                                <m:den>
+                                  <m:sSub>
+                                    <m:sSubPr>
+                                      <m:ctrlPr>
+                                        <a:rPr lang="en-US" sz="2800" i="1" smtClean="0">
+                                          <a:latin typeface="Cambria Math" panose="02040503050406030204" pitchFamily="18" charset="0"/>
+                                        </a:rPr>
+                                      </m:ctrlPr>
+                                    </m:sSubPr>
+                                    <m:e>
+                                      <m:r>
+                                        <a:rPr lang="en-US" sz="2800" b="0" i="1" smtClean="0">
+                                          <a:latin typeface="Cambria Math" panose="02040503050406030204" pitchFamily="18" charset="0"/>
+                                        </a:rPr>
+                                        <m:t>𝑊</m:t>
+                                      </m:r>
+                                    </m:e>
+                                    <m:sub>
+                                      <m:r>
+                                        <a:rPr lang="en-US" sz="2800" b="0" i="1" smtClean="0">
+                                          <a:latin typeface="Cambria Math" panose="02040503050406030204" pitchFamily="18" charset="0"/>
+                                        </a:rPr>
+                                        <m:t>𝑏𝑎𝑠𝑒</m:t>
+                                      </m:r>
+                                    </m:sub>
+                                  </m:sSub>
+                                </m:den>
+                              </m:f>
+                            </m:e>
+                          </m:d>
+                        </m:e>
+                        <m:sup>
+                          <m:r>
+                            <a:rPr lang="en-US" sz="2800" b="0" i="1" smtClean="0">
+                              <a:latin typeface="Cambria Math" panose="02040503050406030204" pitchFamily="18" charset="0"/>
+                            </a:rPr>
+                            <m:t>2</m:t>
+                          </m:r>
+                        </m:sup>
+                      </m:sSup>
+                    </m:oMath>
+                  </m:oMathPara>
+                </a14:m>
+                <a:endParaRPr lang="en-US" sz="2800" dirty="0"/>
+              </a:p>
+            </p:txBody>
+          </p:sp>
+        </mc:Choice>
+        <mc:Fallback>
+          <p:sp>
+            <p:nvSpPr>
+              <p:cNvPr id="8" name="TextBox 7">
+                <a:extLst>
+                  <a:ext uri="{FF2B5EF4-FFF2-40B4-BE49-F238E27FC236}">
+                    <a16:creationId xmlns:a16="http://schemas.microsoft.com/office/drawing/2014/main" id="{929B93C9-872D-EE3E-6750-B7BF51E5A869}"/>
+                  </a:ext>
+                </a:extLst>
+              </p:cNvPr>
+              <p:cNvSpPr txBox="1">
+                <a:spLocks noRot="1" noChangeAspect="1" noMove="1" noResize="1" noEditPoints="1" noAdjustHandles="1" noChangeArrowheads="1" noChangeShapeType="1" noTextEdit="1"/>
+              </p:cNvSpPr>
+              <p:nvPr/>
+            </p:nvSpPr>
+            <p:spPr>
+              <a:xfrm>
+                <a:off x="1426333" y="4384585"/>
+                <a:ext cx="3771308" cy="1053237"/>
+              </a:xfrm>
+              <a:prstGeom prst="rect">
+                <a:avLst/>
+              </a:prstGeom>
+              <a:blipFill>
+                <a:blip r:embed="rId5"/>
+                <a:stretch>
+                  <a:fillRect/>
+                </a:stretch>
+              </a:blipFill>
+            </p:spPr>
+            <p:txBody>
+              <a:bodyPr/>
+              <a:lstStyle/>
+              <a:p>
+                <a:r>
+                  <a:rPr lang="en-US">
+                    <a:noFill/>
+                  </a:rPr>
+                  <a:t> </a:t>
+                </a:r>
+              </a:p>
+            </p:txBody>
+          </p:sp>
+        </mc:Fallback>
+      </mc:AlternateContent>
+    </p:spTree>
+    <p:extLst>
+      <p:ext uri="{BB962C8B-B14F-4D97-AF65-F5344CB8AC3E}">
+        <p14:creationId xmlns:p14="http://schemas.microsoft.com/office/powerpoint/2010/main" val="479973161"/>
+      </p:ext>
+    </p:extLst>
+  </p:cSld>
+  <p:clrMapOvr>
+    <a:masterClrMapping/>
+  </p:clrMapOvr>
+  <p:timing>
+    <p:tnLst>
+      <p:par>
+        <p:cTn id="1" dur="indefinite" restart="never" nodeType="tmRoot">
+          <p:childTnLst>
+            <p:seq concurrent="1" nextAc="seek">
+              <p:cTn id="2" dur="indefinite" nodeType="mainSeq">
+                <p:childTnLst>
+                  <p:par>
+                    <p:cTn id="3" fill="hold">
+                      <p:stCondLst>
+                        <p:cond delay="indefinite"/>
+                      </p:stCondLst>
+                      <p:childTnLst>
+                        <p:par>
+                          <p:cTn id="4" fill="hold">
+                            <p:stCondLst>
+                              <p:cond delay="0"/>
+                            </p:stCondLst>
+                            <p:childTnLst>
+                              <p:par>
+                                <p:cTn id="5" presetID="1" presetClass="entr" presetSubtype="0" fill="hold" nodeType="clickEffect">
+                                  <p:stCondLst>
+                                    <p:cond delay="0"/>
+                                  </p:stCondLst>
+                                  <p:childTnLst>
+                                    <p:set>
+                                      <p:cBhvr>
+                                        <p:cTn id="6" dur="1" fill="hold">
+                                          <p:stCondLst>
+                                            <p:cond delay="0"/>
+                                          </p:stCondLst>
+                                        </p:cTn>
+                                        <p:tgtEl>
+                                          <p:spTgt spid="2"/>
+                                        </p:tgtEl>
+                                        <p:attrNameLst>
+                                          <p:attrName>style.visibility</p:attrName>
+                                        </p:attrNameLst>
+                                      </p:cBhvr>
+                                      <p:to>
+                                        <p:strVal val="visible"/>
+                                      </p:to>
+                                    </p:set>
+                                  </p:childTnLst>
+                                </p:cTn>
+                              </p:par>
+                            </p:childTnLst>
+                          </p:cTn>
+                        </p:par>
+                      </p:childTnLst>
+                    </p:cTn>
+                  </p:par>
+                </p:childTnLst>
+              </p:cTn>
+              <p:prevCondLst>
+                <p:cond evt="onPrev" delay="0">
+                  <p:tgtEl>
+                    <p:sldTgt/>
+                  </p:tgtEl>
+                </p:cond>
+              </p:prevCondLst>
+              <p:nextCondLst>
+                <p:cond evt="onNext" delay="0">
+                  <p:tgtEl>
+                    <p:sldTgt/>
+                  </p:tgtEl>
+                </p:cond>
+              </p:nextCondLst>
+            </p:seq>
+          </p:childTnLst>
+        </p:cTn>
+      </p:par>
+    </p:tnLst>
+  </p:timing>
+</p:sld>
+</file>
+
+<file path=ppt/slides/slide7.xml><?xml version="1.0" encoding="utf-8"?>
 <p:sld xmlns:a="http://schemas.openxmlformats.org/drawingml/2006/main" xmlns:r="http://schemas.openxmlformats.org/officeDocument/2006/relationships" xmlns:p="http://schemas.openxmlformats.org/presentationml/2006/main">
   <p:cSld>
     <p:spTree>
@@ -10432,7 +11508,7 @@
 </p:sld>
 </file>
 
-<file path=ppt/slides/slide7.xml><?xml version="1.0" encoding="utf-8"?>
+<file path=ppt/slides/slide8.xml><?xml version="1.0" encoding="utf-8"?>
 <p:sld xmlns:a="http://schemas.openxmlformats.org/drawingml/2006/main" xmlns:r="http://schemas.openxmlformats.org/officeDocument/2006/relationships" xmlns:p="http://schemas.openxmlformats.org/presentationml/2006/main">
   <p:cSld>
     <p:spTree>
@@ -10621,7 +11697,7 @@
 </p:sld>
 </file>
 
-<file path=ppt/slides/slide8.xml><?xml version="1.0" encoding="utf-8"?>
+<file path=ppt/slides/slide9.xml><?xml version="1.0" encoding="utf-8"?>
 <p:sld xmlns:a="http://schemas.openxmlformats.org/drawingml/2006/main" xmlns:r="http://schemas.openxmlformats.org/officeDocument/2006/relationships" xmlns:p="http://schemas.openxmlformats.org/presentationml/2006/main">
   <p:cSld>
     <p:spTree>
@@ -10809,148 +11885,6 @@
           <a:xfrm>
             <a:off x="1752600" y="4800600"/>
             <a:ext cx="4953000" cy="744538"/>
-          </a:xfrm>
-          <a:prstGeom prst="rect">
-            <a:avLst/>
-          </a:prstGeom>
-          <a:noFill/>
-          <a:extLst>
-            <a:ext uri="{909E8E84-426E-40DD-AFC4-6F175D3DCCD1}">
-              <a14:hiddenFill xmlns:a14="http://schemas.microsoft.com/office/drawing/2010/main">
-                <a:solidFill>
-                  <a:srgbClr val="FFFFFF"/>
-                </a:solidFill>
-              </a14:hiddenFill>
-            </a:ext>
-          </a:extLst>
-        </p:spPr>
-      </p:pic>
-    </p:spTree>
-  </p:cSld>
-  <p:clrMapOvr>
-    <a:masterClrMapping/>
-  </p:clrMapOvr>
-</p:sld>
-</file>
-
-<file path=ppt/slides/slide9.xml><?xml version="1.0" encoding="utf-8"?>
-<p:sld xmlns:a="http://schemas.openxmlformats.org/drawingml/2006/main" xmlns:r="http://schemas.openxmlformats.org/officeDocument/2006/relationships" xmlns:p="http://schemas.openxmlformats.org/presentationml/2006/main">
-  <p:cSld>
-    <p:spTree>
-      <p:nvGrpSpPr>
-        <p:cNvPr id="1" name=""/>
-        <p:cNvGrpSpPr/>
-        <p:nvPr/>
-      </p:nvGrpSpPr>
-      <p:grpSpPr>
-        <a:xfrm>
-          <a:off x="0" y="0"/>
-          <a:ext cx="0" cy="0"/>
-          <a:chOff x="0" y="0"/>
-          <a:chExt cx="0" cy="0"/>
-        </a:xfrm>
-      </p:grpSpPr>
-      <p:pic>
-        <p:nvPicPr>
-          <p:cNvPr id="83971" name="Picture 3">
-            <a:extLst>
-              <a:ext uri="{FF2B5EF4-FFF2-40B4-BE49-F238E27FC236}">
-                <a16:creationId xmlns:a16="http://schemas.microsoft.com/office/drawing/2014/main" id="{264FF4C9-C64C-668B-BCD4-2BBDB1E21B02}"/>
-              </a:ext>
-            </a:extLst>
-          </p:cNvPr>
-          <p:cNvPicPr>
-            <a:picLocks noChangeAspect="1" noChangeArrowheads="1"/>
-          </p:cNvPicPr>
-          <p:nvPr/>
-        </p:nvPicPr>
-        <p:blipFill>
-          <a:blip r:embed="rId2">
-            <a:extLst>
-              <a:ext uri="{28A0092B-C50C-407E-A947-70E740481C1C}">
-                <a14:useLocalDpi xmlns:a14="http://schemas.microsoft.com/office/drawing/2010/main" val="0"/>
-              </a:ext>
-            </a:extLst>
-          </a:blip>
-          <a:srcRect/>
-          <a:stretch>
-            <a:fillRect/>
-          </a:stretch>
-        </p:blipFill>
-        <p:spPr bwMode="auto">
-          <a:xfrm>
-            <a:off x="633663" y="1524001"/>
-            <a:ext cx="6384758" cy="3638683"/>
-          </a:xfrm>
-          <a:prstGeom prst="rect">
-            <a:avLst/>
-          </a:prstGeom>
-          <a:noFill/>
-          <a:ln>
-            <a:noFill/>
-          </a:ln>
-          <a:effectLst/>
-          <a:extLst>
-            <a:ext uri="{909E8E84-426E-40DD-AFC4-6F175D3DCCD1}">
-              <a14:hiddenFill xmlns:a14="http://schemas.microsoft.com/office/drawing/2010/main">
-                <a:solidFill>
-                  <a:schemeClr val="accent1"/>
-                </a:solidFill>
-              </a14:hiddenFill>
-            </a:ext>
-            <a:ext uri="{91240B29-F687-4F45-9708-019B960494DF}">
-              <a14:hiddenLine xmlns:a14="http://schemas.microsoft.com/office/drawing/2010/main" w="9525">
-                <a:solidFill>
-                  <a:schemeClr val="tx1"/>
-                </a:solidFill>
-                <a:miter lim="800000"/>
-                <a:headEnd/>
-                <a:tailEnd/>
-              </a14:hiddenLine>
-            </a:ext>
-            <a:ext uri="{AF507438-7753-43E0-B8FC-AC1667EBCBE1}">
-              <a14:hiddenEffects xmlns:a14="http://schemas.microsoft.com/office/drawing/2010/main">
-                <a:effectLst>
-                  <a:outerShdw dist="35921" dir="2700000" algn="ctr" rotWithShape="0">
-                    <a:schemeClr val="bg2"/>
-                  </a:outerShdw>
-                </a:effectLst>
-              </a14:hiddenEffects>
-            </a:ext>
-          </a:extLst>
-        </p:spPr>
-      </p:pic>
-      <p:pic>
-        <p:nvPicPr>
-          <p:cNvPr id="83972" name="Picture 4">
-            <a:extLst>
-              <a:ext uri="{FF2B5EF4-FFF2-40B4-BE49-F238E27FC236}">
-                <a16:creationId xmlns:a16="http://schemas.microsoft.com/office/drawing/2014/main" id="{FF2A67E8-724A-70BB-93A9-4B67C494EF05}"/>
-              </a:ext>
-            </a:extLst>
-          </p:cNvPr>
-          <p:cNvPicPr>
-            <a:picLocks noChangeAspect="1" noChangeArrowheads="1"/>
-          </p:cNvPicPr>
-          <p:nvPr/>
-        </p:nvPicPr>
-        <p:blipFill>
-          <a:blip r:embed="rId3">
-            <a:extLst>
-              <a:ext uri="{28A0092B-C50C-407E-A947-70E740481C1C}">
-                <a14:useLocalDpi xmlns:a14="http://schemas.microsoft.com/office/drawing/2010/main" val="0"/>
-              </a:ext>
-            </a:extLst>
-          </a:blip>
-          <a:srcRect/>
-          <a:stretch>
-            <a:fillRect/>
-          </a:stretch>
-        </p:blipFill>
-        <p:spPr bwMode="auto">
-          <a:xfrm>
-            <a:off x="7732296" y="1379621"/>
-            <a:ext cx="3497178" cy="3848142"/>
           </a:xfrm>
           <a:prstGeom prst="rect">
             <a:avLst/>
